--- a/docs/diagrams/AuthenticationSequenceDiagram.pptx
+++ b/docs/diagrams/AuthenticationSequenceDiagram.pptx
@@ -4946,7 +4946,7 @@
         <p:spPr>
           <a:xfrm>
             <a:off x="5540549" y="2270193"/>
-            <a:ext cx="2047939" cy="400110"/>
+            <a:ext cx="2079451" cy="400110"/>
           </a:xfrm>
           <a:prstGeom prst="rect">
             <a:avLst/>
@@ -4977,7 +4977,16 @@
                 </a:solidFill>
                 <a:cs typeface="Arial" panose="020B0604020202020204" pitchFamily="34" charset="0"/>
               </a:rPr>
-              <a:t>Navigate to authentication URL*</a:t>
+              <a:t>Navigate to </a:t>
+            </a:r>
+            <a:r>
+              <a:rPr lang="en-SG" sz="1000" b="1">
+                <a:solidFill>
+                  <a:prstClr val="black"/>
+                </a:solidFill>
+                <a:cs typeface="Arial" panose="020B0604020202020204" pitchFamily="34" charset="0"/>
+              </a:rPr>
+              <a:t>authentication URL*</a:t>
             </a:r>
           </a:p>
           <a:p>
@@ -4992,7 +5001,16 @@
                 </a:solidFill>
                 <a:cs typeface="Arial" panose="020B0604020202020204" pitchFamily="34" charset="0"/>
               </a:rPr>
-              <a:t>Scans for success URL*</a:t>
+              <a:t>Scans for </a:t>
+            </a:r>
+            <a:r>
+              <a:rPr lang="en-SG" sz="1000" b="1">
+                <a:solidFill>
+                  <a:prstClr val="black"/>
+                </a:solidFill>
+                <a:cs typeface="Arial" panose="020B0604020202020204" pitchFamily="34" charset="0"/>
+              </a:rPr>
+              <a:t>success URL*</a:t>
             </a:r>
           </a:p>
         </p:txBody>

--- a/docs/diagrams/AuthenticationSequenceDiagram.pptx
+++ b/docs/diagrams/AuthenticationSequenceDiagram.pptx
@@ -212,7 +212,7 @@
           <a:p>
             <a:fld id="{F5CC4B3F-88C1-4FFA-B1B6-F41C21DC6924}" type="datetimeFigureOut">
               <a:rPr lang="en-US" smtClean="0"/>
-              <a:t>10/24/2017</a:t>
+              <a:t>11/13/2017</a:t>
             </a:fld>
             <a:endParaRPr lang="en-US"/>
           </a:p>
@@ -658,7 +658,7 @@
           <a:p>
             <a:fld id="{78C97017-6FC3-485B-9764-EAC9E56C1D49}" type="datetimeFigureOut">
               <a:rPr lang="en-US" smtClean="0"/>
-              <a:t>10/24/2017</a:t>
+              <a:t>11/13/2017</a:t>
             </a:fld>
             <a:endParaRPr lang="en-US"/>
           </a:p>
@@ -826,7 +826,7 @@
           <a:p>
             <a:fld id="{78C97017-6FC3-485B-9764-EAC9E56C1D49}" type="datetimeFigureOut">
               <a:rPr lang="en-US" smtClean="0"/>
-              <a:t>10/24/2017</a:t>
+              <a:t>11/13/2017</a:t>
             </a:fld>
             <a:endParaRPr lang="en-US"/>
           </a:p>
@@ -1004,7 +1004,7 @@
           <a:p>
             <a:fld id="{78C97017-6FC3-485B-9764-EAC9E56C1D49}" type="datetimeFigureOut">
               <a:rPr lang="en-US" smtClean="0"/>
-              <a:t>10/24/2017</a:t>
+              <a:t>11/13/2017</a:t>
             </a:fld>
             <a:endParaRPr lang="en-US"/>
           </a:p>
@@ -1172,7 +1172,7 @@
           <a:p>
             <a:fld id="{78C97017-6FC3-485B-9764-EAC9E56C1D49}" type="datetimeFigureOut">
               <a:rPr lang="en-US" smtClean="0"/>
-              <a:t>10/24/2017</a:t>
+              <a:t>11/13/2017</a:t>
             </a:fld>
             <a:endParaRPr lang="en-US"/>
           </a:p>
@@ -1417,7 +1417,7 @@
           <a:p>
             <a:fld id="{78C97017-6FC3-485B-9764-EAC9E56C1D49}" type="datetimeFigureOut">
               <a:rPr lang="en-US" smtClean="0"/>
-              <a:t>10/24/2017</a:t>
+              <a:t>11/13/2017</a:t>
             </a:fld>
             <a:endParaRPr lang="en-US"/>
           </a:p>
@@ -1702,7 +1702,7 @@
           <a:p>
             <a:fld id="{78C97017-6FC3-485B-9764-EAC9E56C1D49}" type="datetimeFigureOut">
               <a:rPr lang="en-US" smtClean="0"/>
-              <a:t>10/24/2017</a:t>
+              <a:t>11/13/2017</a:t>
             </a:fld>
             <a:endParaRPr lang="en-US"/>
           </a:p>
@@ -2121,7 +2121,7 @@
           <a:p>
             <a:fld id="{78C97017-6FC3-485B-9764-EAC9E56C1D49}" type="datetimeFigureOut">
               <a:rPr lang="en-US" smtClean="0"/>
-              <a:t>10/24/2017</a:t>
+              <a:t>11/13/2017</a:t>
             </a:fld>
             <a:endParaRPr lang="en-US"/>
           </a:p>
@@ -2238,7 +2238,7 @@
           <a:p>
             <a:fld id="{78C97017-6FC3-485B-9764-EAC9E56C1D49}" type="datetimeFigureOut">
               <a:rPr lang="en-US" smtClean="0"/>
-              <a:t>10/24/2017</a:t>
+              <a:t>11/13/2017</a:t>
             </a:fld>
             <a:endParaRPr lang="en-US"/>
           </a:p>
@@ -2333,7 +2333,7 @@
           <a:p>
             <a:fld id="{78C97017-6FC3-485B-9764-EAC9E56C1D49}" type="datetimeFigureOut">
               <a:rPr lang="en-US" smtClean="0"/>
-              <a:t>10/24/2017</a:t>
+              <a:t>11/13/2017</a:t>
             </a:fld>
             <a:endParaRPr lang="en-US"/>
           </a:p>
@@ -2608,7 +2608,7 @@
           <a:p>
             <a:fld id="{78C97017-6FC3-485B-9764-EAC9E56C1D49}" type="datetimeFigureOut">
               <a:rPr lang="en-US" smtClean="0"/>
-              <a:t>10/24/2017</a:t>
+              <a:t>11/13/2017</a:t>
             </a:fld>
             <a:endParaRPr lang="en-US"/>
           </a:p>
@@ -2860,7 +2860,7 @@
           <a:p>
             <a:fld id="{78C97017-6FC3-485B-9764-EAC9E56C1D49}" type="datetimeFigureOut">
               <a:rPr lang="en-US" smtClean="0"/>
-              <a:t>10/24/2017</a:t>
+              <a:t>11/13/2017</a:t>
             </a:fld>
             <a:endParaRPr lang="en-US"/>
           </a:p>
@@ -3071,7 +3071,7 @@
           <a:p>
             <a:fld id="{78C97017-6FC3-485B-9764-EAC9E56C1D49}" type="datetimeFigureOut">
               <a:rPr lang="en-US" smtClean="0"/>
-              <a:t>10/24/2017</a:t>
+              <a:t>11/13/2017</a:t>
             </a:fld>
             <a:endParaRPr lang="en-US"/>
           </a:p>
@@ -6176,6 +6176,52 @@
           </a:effectRef>
           <a:fontRef idx="minor">
             <a:schemeClr val="dk1"/>
+          </a:fontRef>
+        </p:style>
+      </p:cxnSp>
+      <p:cxnSp>
+        <p:nvCxnSpPr>
+          <p:cNvPr id="60" name="Straight Arrow Connector 59">
+            <a:extLst>
+              <a:ext uri="{FF2B5EF4-FFF2-40B4-BE49-F238E27FC236}">
+                <a16:creationId xmlns:a16="http://schemas.microsoft.com/office/drawing/2014/main" id="{213EC848-2B2F-4032-880E-C633E54E9854}"/>
+              </a:ext>
+            </a:extLst>
+          </p:cNvPr>
+          <p:cNvCxnSpPr>
+            <a:cxnSpLocks/>
+          </p:cNvCxnSpPr>
+          <p:nvPr/>
+        </p:nvCxnSpPr>
+        <p:spPr>
+          <a:xfrm>
+            <a:off x="941296" y="5913022"/>
+            <a:ext cx="1115384" cy="0"/>
+          </a:xfrm>
+          <a:prstGeom prst="straightConnector1">
+            <a:avLst/>
+          </a:prstGeom>
+          <a:ln w="19050">
+            <a:solidFill>
+              <a:srgbClr val="0070C0"/>
+            </a:solidFill>
+            <a:prstDash val="sysDash"/>
+            <a:headEnd type="arrow" w="med" len="med"/>
+            <a:tailEnd type="none" w="med" len="med"/>
+          </a:ln>
+        </p:spPr>
+        <p:style>
+          <a:lnRef idx="1">
+            <a:schemeClr val="accent1"/>
+          </a:lnRef>
+          <a:fillRef idx="0">
+            <a:schemeClr val="accent1"/>
+          </a:fillRef>
+          <a:effectRef idx="0">
+            <a:schemeClr val="accent1"/>
+          </a:effectRef>
+          <a:fontRef idx="minor">
+            <a:schemeClr val="tx1"/>
           </a:fontRef>
         </p:style>
       </p:cxnSp>
